--- a/yashasree stegno.pptx
+++ b/yashasree stegno.pptx
@@ -4369,7 +4369,7 @@
                 <a:latin typeface="Arial"/>
                 <a:cs typeface="Arial"/>
               </a:rPr>
-              <a:t>CAPSTONE PROJECT</a:t>
+              <a:t>SECURE THE DATA TO PREVENT HACKERS</a:t>
             </a:r>
             <a:endParaRPr lang="en-US" sz="3200" b="1" dirty="0">
               <a:solidFill>
